--- a/PPT/Whiskyquartier_Präsentation.pptx
+++ b/PPT/Whiskyquartier_Präsentation.pptx
@@ -10715,35 +10715,7 @@
               <a:t>aggregiert</a:t>
             </a:r>
             <a:r>
-              <a:rPr lang="en-US" altLang="en-US" dirty="0"/>
-              <a:t> (Dublin-</a:t>
-            </a:r>
-            <a:r>
-              <a:rPr lang="en-US" altLang="en-US" dirty="0" err="1"/>
-              <a:t>Beispiel</a:t>
-            </a:r>
-            <a:r>
-              <a:rPr lang="en-US" altLang="en-US" dirty="0"/>
-              <a:t>) </a:t>
-            </a:r>
-          </a:p>
-          <a:p>
-            <a:pPr marL="0" lvl="0" indent="0" eaLnBrk="0" fontAlgn="base" hangingPunct="0">
-              <a:lnSpc>
-                <a:spcPct val="150000"/>
-              </a:lnSpc>
-              <a:spcBef>
-                <a:spcPct val="0"/>
-              </a:spcBef>
-              <a:spcAft>
-                <a:spcPct val="0"/>
-              </a:spcAft>
-              <a:buSzTx/>
-              <a:buFontTx/>
-              <a:buChar char="•"/>
-            </a:pPr>
-            <a:r>
-              <a:rPr lang="en-US" altLang="en-US" dirty="0"/>
+              <a:rPr lang="en-US" altLang="en-US"/>
               <a:t> Conversion-Rate </a:t>
             </a:r>
             <a:r>
@@ -15879,6 +15851,344 @@
           </a:p>
         </p:txBody>
       </p:sp>
+      <p:sp>
+        <p:nvSpPr>
+          <p:cNvPr id="3" name="Rectangle 1">
+            <a:extLst>
+              <a:ext uri="{FF2B5EF4-FFF2-40B4-BE49-F238E27FC236}">
+                <a16:creationId xmlns:a16="http://schemas.microsoft.com/office/drawing/2014/main" id="{2E758832-AC20-5585-2563-670BB7A22644}"/>
+              </a:ext>
+            </a:extLst>
+          </p:cNvPr>
+          <p:cNvSpPr txBox="1">
+            <a:spLocks noChangeArrowheads="1"/>
+          </p:cNvSpPr>
+          <p:nvPr/>
+        </p:nvSpPr>
+        <p:spPr bwMode="auto">
+          <a:xfrm>
+            <a:off x="838200" y="3866663"/>
+            <a:ext cx="3322675" cy="2308324"/>
+          </a:xfrm>
+          <a:prstGeom prst="rect">
+            <a:avLst/>
+          </a:prstGeom>
+          <a:solidFill>
+            <a:schemeClr val="accent5">
+              <a:lumMod val="40000"/>
+              <a:lumOff val="60000"/>
+            </a:schemeClr>
+          </a:solidFill>
+          <a:ln>
+            <a:noFill/>
+          </a:ln>
+          <a:effectLst>
+            <a:outerShdw blurRad="50800" dist="38100" dir="2700000" algn="tl" rotWithShape="0">
+              <a:prstClr val="black">
+                <a:alpha val="40000"/>
+              </a:prstClr>
+            </a:outerShdw>
+          </a:effectLst>
+        </p:spPr>
+        <p:txBody>
+          <a:bodyPr vert="horz" wrap="square" lIns="91440" tIns="45720" rIns="91440" bIns="45720" numCol="1" rtlCol="0" anchor="t" anchorCtr="0" compatLnSpc="1">
+            <a:prstTxWarp prst="textNoShape">
+              <a:avLst/>
+            </a:prstTxWarp>
+            <a:spAutoFit/>
+          </a:bodyPr>
+          <a:lstStyle>
+            <a:lvl1pPr marL="228600" indent="-228600" algn="l" defTabSz="914400" rtl="0" eaLnBrk="1" latinLnBrk="0" hangingPunct="1">
+              <a:lnSpc>
+                <a:spcPct val="110000"/>
+              </a:lnSpc>
+              <a:spcBef>
+                <a:spcPts val="1000"/>
+              </a:spcBef>
+              <a:buSzPct val="80000"/>
+              <a:buFont typeface="Arial" panose="020B0604020202020204" pitchFamily="34" charset="0"/>
+              <a:buChar char="•"/>
+              <a:defRPr sz="2000" kern="1200">
+                <a:solidFill>
+                  <a:schemeClr val="tx1"/>
+                </a:solidFill>
+                <a:latin typeface="Segoe UI Light" panose="020B0502040204020203" pitchFamily="34" charset="0"/>
+                <a:ea typeface="+mn-ea"/>
+                <a:cs typeface="Segoe UI Light" panose="020B0502040204020203" pitchFamily="34" charset="0"/>
+              </a:defRPr>
+            </a:lvl1pPr>
+            <a:lvl2pPr marL="502920" indent="-228600" algn="l" defTabSz="914400" rtl="0" eaLnBrk="1" latinLnBrk="0" hangingPunct="1">
+              <a:lnSpc>
+                <a:spcPct val="110000"/>
+              </a:lnSpc>
+              <a:spcBef>
+                <a:spcPts val="500"/>
+              </a:spcBef>
+              <a:buSzPct val="80000"/>
+              <a:buFont typeface="Goudy Old Style" panose="02020502050305020303" pitchFamily="18" charset="0"/>
+              <a:buChar char="–"/>
+              <a:defRPr sz="1800" i="1" kern="1200">
+                <a:solidFill>
+                  <a:schemeClr val="tx1"/>
+                </a:solidFill>
+                <a:latin typeface="Segoe UI Light" panose="020B0502040204020203" pitchFamily="34" charset="0"/>
+                <a:ea typeface="+mn-ea"/>
+                <a:cs typeface="Segoe UI Light" panose="020B0502040204020203" pitchFamily="34" charset="0"/>
+              </a:defRPr>
+            </a:lvl2pPr>
+            <a:lvl3pPr marL="822960" indent="-228600" algn="l" defTabSz="914400" rtl="0" eaLnBrk="1" latinLnBrk="0" hangingPunct="1">
+              <a:lnSpc>
+                <a:spcPct val="110000"/>
+              </a:lnSpc>
+              <a:spcBef>
+                <a:spcPts val="500"/>
+              </a:spcBef>
+              <a:buSzPct val="80000"/>
+              <a:buFont typeface="Arial" panose="020B0604020202020204" pitchFamily="34" charset="0"/>
+              <a:buChar char="•"/>
+              <a:defRPr sz="1600" kern="1200">
+                <a:solidFill>
+                  <a:schemeClr val="tx1"/>
+                </a:solidFill>
+                <a:latin typeface="Segoe UI Light" panose="020B0502040204020203" pitchFamily="34" charset="0"/>
+                <a:ea typeface="+mn-ea"/>
+                <a:cs typeface="Segoe UI Light" panose="020B0502040204020203" pitchFamily="34" charset="0"/>
+              </a:defRPr>
+            </a:lvl3pPr>
+            <a:lvl4pPr marL="1097280" indent="-228600" algn="l" defTabSz="914400" rtl="0" eaLnBrk="1" latinLnBrk="0" hangingPunct="1">
+              <a:lnSpc>
+                <a:spcPct val="110000"/>
+              </a:lnSpc>
+              <a:spcBef>
+                <a:spcPts val="500"/>
+              </a:spcBef>
+              <a:buSzPct val="80000"/>
+              <a:buFont typeface="Goudy Old Style" panose="02020502050305020303" pitchFamily="18" charset="0"/>
+              <a:buChar char="–"/>
+              <a:defRPr sz="1400" i="1" kern="1200">
+                <a:solidFill>
+                  <a:schemeClr val="tx1"/>
+                </a:solidFill>
+                <a:latin typeface="Segoe UI Light" panose="020B0502040204020203" pitchFamily="34" charset="0"/>
+                <a:ea typeface="+mn-ea"/>
+                <a:cs typeface="Segoe UI Light" panose="020B0502040204020203" pitchFamily="34" charset="0"/>
+              </a:defRPr>
+            </a:lvl4pPr>
+            <a:lvl5pPr marL="1371600" indent="-228600" algn="l" defTabSz="914400" rtl="0" eaLnBrk="1" latinLnBrk="0" hangingPunct="1">
+              <a:lnSpc>
+                <a:spcPct val="110000"/>
+              </a:lnSpc>
+              <a:spcBef>
+                <a:spcPts val="500"/>
+              </a:spcBef>
+              <a:buSzPct val="80000"/>
+              <a:buFont typeface="Arial" panose="020B0604020202020204" pitchFamily="34" charset="0"/>
+              <a:buChar char="•"/>
+              <a:defRPr sz="1400" kern="1200">
+                <a:solidFill>
+                  <a:schemeClr val="tx1"/>
+                </a:solidFill>
+                <a:latin typeface="Segoe UI Light" panose="020B0502040204020203" pitchFamily="34" charset="0"/>
+                <a:ea typeface="+mn-ea"/>
+                <a:cs typeface="Segoe UI Light" panose="020B0502040204020203" pitchFamily="34" charset="0"/>
+              </a:defRPr>
+            </a:lvl5pPr>
+            <a:lvl6pPr marL="2514600" indent="-228600" algn="l" defTabSz="914400" rtl="0" eaLnBrk="1" latinLnBrk="0" hangingPunct="1">
+              <a:lnSpc>
+                <a:spcPct val="90000"/>
+              </a:lnSpc>
+              <a:spcBef>
+                <a:spcPts val="500"/>
+              </a:spcBef>
+              <a:buFont typeface="Arial" panose="020B0604020202020204" pitchFamily="34" charset="0"/>
+              <a:buChar char="•"/>
+              <a:defRPr sz="1800" kern="1200">
+                <a:solidFill>
+                  <a:schemeClr val="tx1"/>
+                </a:solidFill>
+                <a:latin typeface="+mn-lt"/>
+                <a:ea typeface="+mn-ea"/>
+                <a:cs typeface="+mn-cs"/>
+              </a:defRPr>
+            </a:lvl6pPr>
+            <a:lvl7pPr marL="2971800" indent="-228600" algn="l" defTabSz="914400" rtl="0" eaLnBrk="1" latinLnBrk="0" hangingPunct="1">
+              <a:lnSpc>
+                <a:spcPct val="90000"/>
+              </a:lnSpc>
+              <a:spcBef>
+                <a:spcPts val="500"/>
+              </a:spcBef>
+              <a:buFont typeface="Arial" panose="020B0604020202020204" pitchFamily="34" charset="0"/>
+              <a:buChar char="•"/>
+              <a:defRPr sz="1800" kern="1200">
+                <a:solidFill>
+                  <a:schemeClr val="tx1"/>
+                </a:solidFill>
+                <a:latin typeface="+mn-lt"/>
+                <a:ea typeface="+mn-ea"/>
+                <a:cs typeface="+mn-cs"/>
+              </a:defRPr>
+            </a:lvl7pPr>
+            <a:lvl8pPr marL="3429000" indent="-228600" algn="l" defTabSz="914400" rtl="0" eaLnBrk="1" latinLnBrk="0" hangingPunct="1">
+              <a:lnSpc>
+                <a:spcPct val="90000"/>
+              </a:lnSpc>
+              <a:spcBef>
+                <a:spcPts val="500"/>
+              </a:spcBef>
+              <a:buFont typeface="Arial" panose="020B0604020202020204" pitchFamily="34" charset="0"/>
+              <a:buChar char="•"/>
+              <a:defRPr sz="1800" kern="1200">
+                <a:solidFill>
+                  <a:schemeClr val="tx1"/>
+                </a:solidFill>
+                <a:latin typeface="+mn-lt"/>
+                <a:ea typeface="+mn-ea"/>
+                <a:cs typeface="+mn-cs"/>
+              </a:defRPr>
+            </a:lvl8pPr>
+            <a:lvl9pPr marL="3886200" indent="-228600" algn="l" defTabSz="914400" rtl="0" eaLnBrk="1" latinLnBrk="0" hangingPunct="1">
+              <a:lnSpc>
+                <a:spcPct val="90000"/>
+              </a:lnSpc>
+              <a:spcBef>
+                <a:spcPts val="500"/>
+              </a:spcBef>
+              <a:buFont typeface="Arial" panose="020B0604020202020204" pitchFamily="34" charset="0"/>
+              <a:buChar char="•"/>
+              <a:defRPr sz="1800" kern="1200">
+                <a:solidFill>
+                  <a:schemeClr val="tx1"/>
+                </a:solidFill>
+                <a:latin typeface="+mn-lt"/>
+                <a:ea typeface="+mn-ea"/>
+                <a:cs typeface="+mn-cs"/>
+              </a:defRPr>
+            </a:lvl9pPr>
+          </a:lstStyle>
+          <a:p>
+            <a:pPr marL="0" indent="0" eaLnBrk="0" fontAlgn="base" hangingPunct="0">
+              <a:lnSpc>
+                <a:spcPct val="100000"/>
+              </a:lnSpc>
+              <a:spcBef>
+                <a:spcPct val="0"/>
+              </a:spcBef>
+              <a:spcAft>
+                <a:spcPct val="0"/>
+              </a:spcAft>
+              <a:buSzTx/>
+              <a:buNone/>
+            </a:pPr>
+            <a:r>
+              <a:rPr lang="en-US" altLang="en-US" sz="2400" dirty="0" err="1"/>
+              <a:t>Projektziel</a:t>
+            </a:r>
+            <a:r>
+              <a:rPr lang="en-US" altLang="en-US" sz="2400" dirty="0"/>
+              <a:t>:</a:t>
+            </a:r>
+          </a:p>
+          <a:p>
+            <a:pPr marL="0" indent="0" eaLnBrk="0" fontAlgn="base" hangingPunct="0">
+              <a:lnSpc>
+                <a:spcPct val="100000"/>
+              </a:lnSpc>
+              <a:spcBef>
+                <a:spcPct val="0"/>
+              </a:spcBef>
+              <a:spcAft>
+                <a:spcPct val="0"/>
+              </a:spcAft>
+              <a:buSzTx/>
+              <a:buNone/>
+            </a:pPr>
+            <a:r>
+              <a:rPr lang="en-US" altLang="en-US" sz="2400" dirty="0"/>
+              <a:t>Dashboard in </a:t>
+            </a:r>
+            <a:r>
+              <a:rPr lang="en-US" altLang="en-US" sz="2400" dirty="0" err="1"/>
+              <a:t>PowerBI</a:t>
+            </a:r>
+            <a:endParaRPr lang="en-US" altLang="en-US" sz="2400" dirty="0"/>
+          </a:p>
+          <a:p>
+            <a:pPr marL="0" indent="0" eaLnBrk="0" fontAlgn="base" hangingPunct="0">
+              <a:lnSpc>
+                <a:spcPct val="100000"/>
+              </a:lnSpc>
+              <a:spcBef>
+                <a:spcPct val="0"/>
+              </a:spcBef>
+              <a:spcAft>
+                <a:spcPct val="0"/>
+              </a:spcAft>
+              <a:buSzTx/>
+              <a:buNone/>
+            </a:pPr>
+            <a:endParaRPr lang="en-US" altLang="en-US" sz="2400" dirty="0"/>
+          </a:p>
+          <a:p>
+            <a:pPr marL="0" indent="0" eaLnBrk="0" fontAlgn="base" hangingPunct="0">
+              <a:lnSpc>
+                <a:spcPct val="100000"/>
+              </a:lnSpc>
+              <a:spcBef>
+                <a:spcPct val="0"/>
+              </a:spcBef>
+              <a:spcAft>
+                <a:spcPct val="0"/>
+              </a:spcAft>
+              <a:buSzTx/>
+              <a:buNone/>
+            </a:pPr>
+            <a:r>
+              <a:rPr lang="en-US" altLang="en-US" sz="2400" dirty="0" err="1"/>
+              <a:t>Analyse</a:t>
+            </a:r>
+            <a:r>
+              <a:rPr lang="en-US" altLang="en-US" sz="2400" dirty="0"/>
+              <a:t> von:</a:t>
+            </a:r>
+          </a:p>
+          <a:p>
+            <a:pPr marL="0" indent="0" eaLnBrk="0" fontAlgn="base" hangingPunct="0">
+              <a:lnSpc>
+                <a:spcPct val="100000"/>
+              </a:lnSpc>
+              <a:spcBef>
+                <a:spcPct val="0"/>
+              </a:spcBef>
+              <a:spcAft>
+                <a:spcPct val="0"/>
+              </a:spcAft>
+              <a:buSzTx/>
+              <a:buNone/>
+            </a:pPr>
+            <a:r>
+              <a:rPr lang="en-US" altLang="en-US" sz="2400" dirty="0"/>
+              <a:t>Traffic, </a:t>
+            </a:r>
+            <a:r>
+              <a:rPr lang="en-US" altLang="en-US" sz="2400" dirty="0" err="1"/>
+              <a:t>Zielgruppe</a:t>
+            </a:r>
+            <a:r>
+              <a:rPr lang="en-US" altLang="en-US" sz="2400" dirty="0"/>
+              <a:t>, </a:t>
+            </a:r>
+            <a:r>
+              <a:rPr lang="en-US" altLang="en-US" sz="2400" dirty="0" err="1"/>
+              <a:t>Absprung</a:t>
+            </a:r>
+            <a:r>
+              <a:rPr lang="en-US" altLang="en-US" sz="2400" dirty="0"/>
+              <a:t>, Conversion</a:t>
+            </a:r>
+          </a:p>
+        </p:txBody>
+      </p:sp>
     </p:spTree>
     <p:extLst>
       <p:ext uri="{BB962C8B-B14F-4D97-AF65-F5344CB8AC3E}">
@@ -17703,7 +18013,7 @@
                   <a:latin typeface="Segoe UI Light" panose="020B0502040204020203" pitchFamily="34" charset="0"/>
                   <a:cs typeface="Segoe UI Light" panose="020B0502040204020203" pitchFamily="34" charset="0"/>
                 </a:rPr>
-                <a:t>, Dashboards </a:t>
+                <a:t>, Dashboard </a:t>
               </a:r>
             </a:p>
           </p:txBody>
@@ -18712,7 +19022,7 @@
                   <a:latin typeface="Segoe UI Light" panose="020B0502040204020203" pitchFamily="34" charset="0"/>
                   <a:cs typeface="Segoe UI Light" panose="020B0502040204020203" pitchFamily="34" charset="0"/>
                 </a:rPr>
-                <a:t>WikiTeleFoo</a:t>
+                <a:t>WikiTumblerFoo</a:t>
               </a:r>
               <a:r>
                 <a:rPr lang="en-US" sz="2200" kern="1200" dirty="0">

--- a/PPT/Whiskyquartier_Präsentation.pptx
+++ b/PPT/Whiskyquartier_Präsentation.pptx
@@ -4769,300 +4769,6 @@
           <a:bodyPr/>
           <a:lstStyle/>
           <a:p>
-            <a:pPr marL="0" marR="0" lvl="0" indent="0" algn="l" defTabSz="914400" rtl="0" eaLnBrk="0" fontAlgn="base" latinLnBrk="0" hangingPunct="0">
-              <a:lnSpc>
-                <a:spcPct val="100000"/>
-              </a:lnSpc>
-              <a:spcBef>
-                <a:spcPct val="0"/>
-              </a:spcBef>
-              <a:spcAft>
-                <a:spcPct val="0"/>
-              </a:spcAft>
-              <a:buClrTx/>
-              <a:buSzTx/>
-              <a:buFontTx/>
-              <a:buChar char="•"/>
-              <a:tabLst/>
-            </a:pPr>
-            <a:r>
-              <a:rPr kumimoji="0" lang="en-US" altLang="en-US" sz="1200" b="0" i="0" u="none" strike="noStrike" cap="none" normalizeH="0" baseline="0" dirty="0">
-                <a:ln>
-                  <a:noFill/>
-                </a:ln>
-                <a:solidFill>
-                  <a:schemeClr val="tx1"/>
-                </a:solidFill>
-                <a:effectLst/>
-              </a:rPr>
-              <a:t>Titel + </a:t>
-            </a:r>
-            <a:r>
-              <a:rPr kumimoji="0" lang="en-US" altLang="en-US" sz="1200" b="0" i="0" u="none" strike="noStrike" cap="none" normalizeH="0" baseline="0" dirty="0" err="1">
-                <a:ln>
-                  <a:noFill/>
-                </a:ln>
-                <a:solidFill>
-                  <a:schemeClr val="tx1"/>
-                </a:solidFill>
-                <a:effectLst/>
-              </a:rPr>
-              <a:t>Teamvorstellung</a:t>
-            </a:r>
-            <a:r>
-              <a:rPr kumimoji="0" lang="en-US" altLang="en-US" sz="1200" b="0" i="0" u="none" strike="noStrike" cap="none" normalizeH="0" baseline="0" dirty="0">
-                <a:ln>
-                  <a:noFill/>
-                </a:ln>
-                <a:solidFill>
-                  <a:schemeClr val="tx1"/>
-                </a:solidFill>
-                <a:effectLst/>
-              </a:rPr>
-              <a:t> </a:t>
-            </a:r>
-          </a:p>
-          <a:p>
-            <a:pPr marL="0" marR="0" lvl="0" indent="0" algn="l" defTabSz="914400" rtl="0" eaLnBrk="0" fontAlgn="base" latinLnBrk="0" hangingPunct="0">
-              <a:lnSpc>
-                <a:spcPct val="100000"/>
-              </a:lnSpc>
-              <a:spcBef>
-                <a:spcPct val="0"/>
-              </a:spcBef>
-              <a:spcAft>
-                <a:spcPct val="0"/>
-              </a:spcAft>
-              <a:buClrTx/>
-              <a:buSzTx/>
-              <a:buFontTx/>
-              <a:buChar char="•"/>
-              <a:tabLst/>
-            </a:pPr>
-            <a:r>
-              <a:rPr kumimoji="0" lang="en-US" altLang="en-US" sz="1200" b="0" i="0" u="none" strike="noStrike" cap="none" normalizeH="0" baseline="0" dirty="0">
-                <a:ln>
-                  <a:noFill/>
-                </a:ln>
-                <a:solidFill>
-                  <a:schemeClr val="tx1"/>
-                </a:solidFill>
-                <a:effectLst/>
-              </a:rPr>
-              <a:t>Quick Facts: Daten </a:t>
-            </a:r>
-            <a:r>
-              <a:rPr kumimoji="0" lang="en-US" altLang="en-US" sz="1200" b="0" i="0" u="none" strike="noStrike" cap="none" normalizeH="0" baseline="0" dirty="0" err="1">
-                <a:ln>
-                  <a:noFill/>
-                </a:ln>
-                <a:solidFill>
-                  <a:schemeClr val="tx1"/>
-                </a:solidFill>
-                <a:effectLst/>
-              </a:rPr>
-              <a:t>eines</a:t>
-            </a:r>
-            <a:r>
-              <a:rPr kumimoji="0" lang="en-US" altLang="en-US" sz="1200" b="0" i="0" u="none" strike="noStrike" cap="none" normalizeH="0" baseline="0" dirty="0">
-                <a:ln>
-                  <a:noFill/>
-                </a:ln>
-                <a:solidFill>
-                  <a:schemeClr val="tx1"/>
-                </a:solidFill>
-                <a:effectLst/>
-              </a:rPr>
-              <a:t> Online-Shops </a:t>
-            </a:r>
-            <a:r>
-              <a:rPr kumimoji="0" lang="en-US" altLang="en-US" sz="1200" b="0" i="0" u="none" strike="noStrike" cap="none" normalizeH="0" baseline="0" dirty="0" err="1">
-                <a:ln>
-                  <a:noFill/>
-                </a:ln>
-                <a:solidFill>
-                  <a:schemeClr val="tx1"/>
-                </a:solidFill>
-                <a:effectLst/>
-              </a:rPr>
-              <a:t>über</a:t>
-            </a:r>
-            <a:r>
-              <a:rPr kumimoji="0" lang="en-US" altLang="en-US" sz="1200" b="0" i="0" u="none" strike="noStrike" cap="none" normalizeH="0" baseline="0" dirty="0">
-                <a:ln>
-                  <a:noFill/>
-                </a:ln>
-                <a:solidFill>
-                  <a:schemeClr val="tx1"/>
-                </a:solidFill>
-                <a:effectLst/>
-              </a:rPr>
-              <a:t> 13 </a:t>
-            </a:r>
-            <a:r>
-              <a:rPr kumimoji="0" lang="en-US" altLang="en-US" sz="1200" b="0" i="0" u="none" strike="noStrike" cap="none" normalizeH="0" baseline="0" dirty="0" err="1">
-                <a:ln>
-                  <a:noFill/>
-                </a:ln>
-                <a:solidFill>
-                  <a:schemeClr val="tx1"/>
-                </a:solidFill>
-                <a:effectLst/>
-              </a:rPr>
-              <a:t>Monate</a:t>
-            </a:r>
-            <a:r>
-              <a:rPr kumimoji="0" lang="en-US" altLang="en-US" sz="1200" b="0" i="0" u="none" strike="noStrike" cap="none" normalizeH="0" baseline="0" dirty="0">
-                <a:ln>
-                  <a:noFill/>
-                </a:ln>
-                <a:solidFill>
-                  <a:schemeClr val="tx1"/>
-                </a:solidFill>
-                <a:effectLst/>
-              </a:rPr>
-              <a:t>, </a:t>
-            </a:r>
-            <a:r>
-              <a:rPr kumimoji="0" lang="en-US" altLang="en-US" sz="1200" b="0" i="0" u="none" strike="noStrike" cap="none" normalizeH="0" baseline="0" dirty="0" err="1">
-                <a:ln>
-                  <a:noFill/>
-                </a:ln>
-                <a:solidFill>
-                  <a:schemeClr val="tx1"/>
-                </a:solidFill>
-                <a:effectLst/>
-              </a:rPr>
-              <a:t>Whiskyquartier</a:t>
-            </a:r>
-            <a:r>
-              <a:rPr kumimoji="0" lang="en-US" altLang="en-US" sz="1200" b="0" i="0" u="none" strike="noStrike" cap="none" normalizeH="0" baseline="0" dirty="0">
-                <a:ln>
-                  <a:noFill/>
-                </a:ln>
-                <a:solidFill>
-                  <a:schemeClr val="tx1"/>
-                </a:solidFill>
-                <a:effectLst/>
-              </a:rPr>
-              <a:t> Online-Shop </a:t>
-            </a:r>
-          </a:p>
-          <a:p>
-            <a:pPr marL="0" marR="0" lvl="0" indent="0" algn="l" defTabSz="914400" rtl="0" eaLnBrk="0" fontAlgn="base" latinLnBrk="0" hangingPunct="0">
-              <a:lnSpc>
-                <a:spcPct val="100000"/>
-              </a:lnSpc>
-              <a:spcBef>
-                <a:spcPct val="0"/>
-              </a:spcBef>
-              <a:spcAft>
-                <a:spcPct val="0"/>
-              </a:spcAft>
-              <a:buClrTx/>
-              <a:buSzTx/>
-              <a:buFontTx/>
-              <a:buChar char="•"/>
-              <a:tabLst/>
-            </a:pPr>
-            <a:r>
-              <a:rPr kumimoji="0" lang="en-US" altLang="en-US" sz="1200" b="0" i="0" u="none" strike="noStrike" cap="none" normalizeH="0" baseline="0" dirty="0" err="1">
-                <a:ln>
-                  <a:noFill/>
-                </a:ln>
-                <a:solidFill>
-                  <a:schemeClr val="tx1"/>
-                </a:solidFill>
-                <a:effectLst/>
-              </a:rPr>
-              <a:t>Projektziel</a:t>
-            </a:r>
-            <a:r>
-              <a:rPr kumimoji="0" lang="en-US" altLang="en-US" sz="1200" b="0" i="0" u="none" strike="noStrike" cap="none" normalizeH="0" baseline="0" dirty="0">
-                <a:ln>
-                  <a:noFill/>
-                </a:ln>
-                <a:solidFill>
-                  <a:schemeClr val="tx1"/>
-                </a:solidFill>
-                <a:effectLst/>
-              </a:rPr>
-              <a:t>: Dashboard </a:t>
-            </a:r>
-            <a:r>
-              <a:rPr kumimoji="0" lang="en-US" altLang="en-US" sz="1200" b="0" i="0" u="none" strike="noStrike" cap="none" normalizeH="0" baseline="0" dirty="0" err="1">
-                <a:ln>
-                  <a:noFill/>
-                </a:ln>
-                <a:solidFill>
-                  <a:schemeClr val="tx1"/>
-                </a:solidFill>
-                <a:effectLst/>
-              </a:rPr>
-              <a:t>erstellen</a:t>
-            </a:r>
-            <a:r>
-              <a:rPr kumimoji="0" lang="en-US" altLang="en-US" sz="1200" b="0" i="0" u="none" strike="noStrike" cap="none" normalizeH="0" baseline="0" dirty="0">
-                <a:ln>
-                  <a:noFill/>
-                </a:ln>
-                <a:solidFill>
-                  <a:schemeClr val="tx1"/>
-                </a:solidFill>
-                <a:effectLst/>
-              </a:rPr>
-              <a:t>, 3 </a:t>
-            </a:r>
-            <a:r>
-              <a:rPr kumimoji="0" lang="en-US" altLang="en-US" sz="1200" b="0" i="0" u="none" strike="noStrike" cap="none" normalizeH="0" baseline="0" dirty="0" err="1">
-                <a:ln>
-                  <a:noFill/>
-                </a:ln>
-                <a:solidFill>
-                  <a:schemeClr val="tx1"/>
-                </a:solidFill>
-                <a:effectLst/>
-              </a:rPr>
-              <a:t>Hypothesen</a:t>
-            </a:r>
-            <a:r>
-              <a:rPr kumimoji="0" lang="en-US" altLang="en-US" sz="1200" b="0" i="0" u="none" strike="noStrike" cap="none" normalizeH="0" baseline="0" dirty="0">
-                <a:ln>
-                  <a:noFill/>
-                </a:ln>
-                <a:solidFill>
-                  <a:schemeClr val="tx1"/>
-                </a:solidFill>
-                <a:effectLst/>
-              </a:rPr>
-              <a:t> </a:t>
-            </a:r>
-            <a:r>
-              <a:rPr kumimoji="0" lang="en-US" altLang="en-US" sz="1200" b="0" i="0" u="none" strike="noStrike" cap="none" normalizeH="0" baseline="0" dirty="0" err="1">
-                <a:ln>
-                  <a:noFill/>
-                </a:ln>
-                <a:solidFill>
-                  <a:schemeClr val="tx1"/>
-                </a:solidFill>
-                <a:effectLst/>
-              </a:rPr>
-              <a:t>testen</a:t>
-            </a:r>
-            <a:r>
-              <a:rPr kumimoji="0" lang="en-US" altLang="en-US" sz="1200" b="0" i="0" u="none" strike="noStrike" cap="none" normalizeH="0" baseline="0" dirty="0">
-                <a:ln>
-                  <a:noFill/>
-                </a:ln>
-                <a:solidFill>
-                  <a:schemeClr val="tx1"/>
-                </a:solidFill>
-                <a:effectLst/>
-              </a:rPr>
-              <a:t> </a:t>
-            </a:r>
-          </a:p>
-          <a:p>
             <a:endParaRPr lang="en-US" dirty="0"/>
           </a:p>
         </p:txBody>
@@ -5147,209 +4853,6 @@
           <a:bodyPr/>
           <a:lstStyle/>
           <a:p>
-            <a:r>
-              <a:rPr lang="en-US" dirty="0"/>
-              <a:t>Tracker-</a:t>
-            </a:r>
-            <a:r>
-              <a:rPr lang="en-US" dirty="0" err="1"/>
-              <a:t>Konfiguration</a:t>
-            </a:r>
-            <a:r>
-              <a:rPr lang="en-US" dirty="0"/>
-              <a:t> </a:t>
-            </a:r>
-            <a:r>
-              <a:rPr lang="en-US" dirty="0" err="1"/>
-              <a:t>überprüfen</a:t>
-            </a:r>
-            <a:r>
-              <a:rPr lang="en-US" dirty="0"/>
-              <a:t>: in </a:t>
-            </a:r>
-            <a:r>
-              <a:rPr lang="en-US" dirty="0" err="1"/>
-              <a:t>Bezug</a:t>
-            </a:r>
-            <a:r>
-              <a:rPr lang="en-US" dirty="0"/>
-              <a:t> auf </a:t>
-            </a:r>
-            <a:r>
-              <a:rPr lang="en-US" dirty="0" err="1"/>
-              <a:t>welche</a:t>
-            </a:r>
-            <a:r>
-              <a:rPr lang="en-US" dirty="0"/>
-              <a:t> IP was </a:t>
-            </a:r>
-            <a:r>
-              <a:rPr lang="en-US" dirty="0" err="1"/>
-              <a:t>wann</a:t>
-            </a:r>
-            <a:r>
-              <a:rPr lang="en-US" dirty="0"/>
-              <a:t> wo </a:t>
-            </a:r>
-            <a:r>
-              <a:rPr lang="en-US" dirty="0" err="1"/>
-              <a:t>macht</a:t>
-            </a:r>
-            <a:r>
-              <a:rPr lang="en-US" dirty="0"/>
-              <a:t>, Wie </a:t>
-            </a:r>
-            <a:r>
-              <a:rPr lang="en-US" dirty="0" err="1"/>
-              <a:t>entstehen</a:t>
-            </a:r>
-            <a:r>
-              <a:rPr lang="en-US" dirty="0"/>
-              <a:t> die </a:t>
-            </a:r>
-            <a:r>
-              <a:rPr lang="en-US" dirty="0" err="1"/>
-              <a:t>Daten</a:t>
-            </a:r>
-            <a:r>
-              <a:rPr lang="en-US" dirty="0"/>
-              <a:t> </a:t>
-            </a:r>
-            <a:r>
-              <a:rPr lang="en-US" dirty="0" err="1"/>
-              <a:t>aus</a:t>
-            </a:r>
-            <a:r>
-              <a:rPr lang="en-US" dirty="0"/>
-              <a:t> was die </a:t>
-            </a:r>
-            <a:r>
-              <a:rPr lang="en-US" dirty="0" err="1"/>
-              <a:t>geliefert</a:t>
-            </a:r>
-            <a:r>
-              <a:rPr lang="en-US" dirty="0"/>
-              <a:t> </a:t>
-            </a:r>
-            <a:r>
-              <a:rPr lang="en-US" dirty="0" err="1"/>
-              <a:t>wurden</a:t>
-            </a:r>
-            <a:r>
-              <a:rPr lang="en-US" dirty="0"/>
-              <a:t>?</a:t>
-            </a:r>
-          </a:p>
-          <a:p>
-            <a:r>
-              <a:rPr lang="en-US" dirty="0"/>
-              <a:t>Session-IDs </a:t>
-            </a:r>
-            <a:r>
-              <a:rPr lang="en-US" dirty="0" err="1"/>
-              <a:t>konsistent</a:t>
-            </a:r>
-            <a:r>
-              <a:rPr lang="en-US" dirty="0"/>
-              <a:t> </a:t>
-            </a:r>
-            <a:r>
-              <a:rPr lang="en-US" dirty="0" err="1"/>
-              <a:t>halten</a:t>
-            </a:r>
-            <a:r>
-              <a:rPr lang="en-US" dirty="0"/>
-              <a:t>:</a:t>
-            </a:r>
-          </a:p>
-          <a:p>
-            <a:r>
-              <a:rPr lang="en-US" dirty="0"/>
-              <a:t>Web-</a:t>
-            </a:r>
-            <a:r>
-              <a:rPr lang="en-US" dirty="0" err="1"/>
-              <a:t>Crawlwer</a:t>
-            </a:r>
-            <a:r>
-              <a:rPr lang="en-US" dirty="0"/>
-              <a:t> </a:t>
-            </a:r>
-            <a:r>
-              <a:rPr lang="en-US" dirty="0" err="1"/>
-              <a:t>ausschließen</a:t>
-            </a:r>
-            <a:r>
-              <a:rPr lang="en-US" dirty="0"/>
-              <a:t>: </a:t>
-            </a:r>
-            <a:r>
-              <a:rPr lang="en-US" dirty="0" err="1"/>
-              <a:t>Suchmaschinenbesuche</a:t>
-            </a:r>
-            <a:r>
-              <a:rPr lang="en-US" dirty="0"/>
-              <a:t> auf der </a:t>
-            </a:r>
-            <a:r>
-              <a:rPr lang="en-US" dirty="0" err="1"/>
-              <a:t>Webseite</a:t>
-            </a:r>
-            <a:r>
-              <a:rPr lang="en-US" dirty="0"/>
-              <a:t> nicht </a:t>
-            </a:r>
-            <a:r>
-              <a:rPr lang="en-US" dirty="0" err="1"/>
-              <a:t>als</a:t>
-            </a:r>
-            <a:r>
-              <a:rPr lang="en-US" dirty="0"/>
-              <a:t> </a:t>
-            </a:r>
-            <a:r>
-              <a:rPr lang="en-US" dirty="0" err="1"/>
-              <a:t>Kundenbesuche</a:t>
-            </a:r>
-            <a:r>
-              <a:rPr lang="en-US" dirty="0"/>
-              <a:t> </a:t>
-            </a:r>
-            <a:r>
-              <a:rPr lang="en-US" dirty="0" err="1"/>
-              <a:t>zählen</a:t>
-            </a:r>
-            <a:endParaRPr lang="en-US" dirty="0"/>
-          </a:p>
-          <a:p>
-            <a:r>
-              <a:rPr lang="en-US" dirty="0" err="1"/>
-              <a:t>Kontinuierliche</a:t>
-            </a:r>
-            <a:r>
-              <a:rPr lang="en-US" dirty="0"/>
-              <a:t> </a:t>
-            </a:r>
-            <a:r>
-              <a:rPr lang="en-US" dirty="0" err="1"/>
-              <a:t>Datenchecks</a:t>
-            </a:r>
-            <a:r>
-              <a:rPr lang="en-US" dirty="0"/>
-              <a:t> </a:t>
-            </a:r>
-            <a:r>
-              <a:rPr lang="en-US" dirty="0" err="1"/>
-              <a:t>etablieren</a:t>
-            </a:r>
-            <a:r>
-              <a:rPr lang="en-US" dirty="0"/>
-              <a:t>: Sven </a:t>
-            </a:r>
-            <a:r>
-              <a:rPr lang="en-US" dirty="0" err="1"/>
-              <a:t>fragen</a:t>
-            </a:r>
             <a:endParaRPr lang="en-US" dirty="0"/>
           </a:p>
         </p:txBody>
@@ -5433,12 +4936,6 @@
         <p:txBody>
           <a:bodyPr/>
           <a:lstStyle/>
-          <a:p>
-            <a:r>
-              <a:rPr lang="de-DE" dirty="0"/>
-              <a:t>Keine finale Aussage wegen fehlender Datenmenge</a:t>
-            </a:r>
-          </a:p>
           <a:p>
             <a:endParaRPr lang="de-DE" dirty="0"/>
           </a:p>
@@ -5650,77 +5147,6 @@
           <a:bodyPr/>
           <a:lstStyle/>
           <a:p>
-            <a:pPr marL="0" marR="0" lvl="0" indent="0" algn="l" defTabSz="914400" rtl="0" eaLnBrk="1" fontAlgn="auto" latinLnBrk="0" hangingPunct="1">
-              <a:lnSpc>
-                <a:spcPct val="100000"/>
-              </a:lnSpc>
-              <a:spcBef>
-                <a:spcPts val="0"/>
-              </a:spcBef>
-              <a:spcAft>
-                <a:spcPts val="0"/>
-              </a:spcAft>
-              <a:buClrTx/>
-              <a:buSzTx/>
-              <a:buFontTx/>
-              <a:buNone/>
-              <a:tabLst/>
-              <a:defRPr/>
-            </a:pPr>
-            <a:r>
-              <a:rPr lang="en-US" altLang="en-US" dirty="0"/>
-              <a:t>Screenshot: </a:t>
-            </a:r>
-            <a:r>
-              <a:rPr lang="en-US" altLang="en-US" dirty="0" err="1"/>
-              <a:t>Visualisierung</a:t>
-            </a:r>
-            <a:r>
-              <a:rPr lang="en-US" altLang="en-US" dirty="0"/>
-              <a:t> der </a:t>
-            </a:r>
-            <a:r>
-              <a:rPr lang="en-US" altLang="en-US" dirty="0" err="1"/>
-              <a:t>Datenprobleme</a:t>
-            </a:r>
-            <a:r>
-              <a:rPr lang="en-US" altLang="en-US" dirty="0"/>
-              <a:t> (</a:t>
-            </a:r>
-            <a:r>
-              <a:rPr lang="en-US" altLang="en-US" dirty="0" err="1"/>
-              <a:t>Tabelle</a:t>
-            </a:r>
-            <a:r>
-              <a:rPr lang="en-US" altLang="en-US" dirty="0"/>
-              <a:t> </a:t>
-            </a:r>
-            <a:r>
-              <a:rPr lang="en-US" altLang="en-US" dirty="0" err="1"/>
-              <a:t>im</a:t>
-            </a:r>
-            <a:r>
-              <a:rPr lang="en-US" altLang="en-US" dirty="0"/>
-              <a:t> </a:t>
-            </a:r>
-            <a:r>
-              <a:rPr lang="en-US" altLang="en-US" dirty="0" err="1"/>
-              <a:t>Dokument</a:t>
-            </a:r>
-            <a:r>
-              <a:rPr lang="en-US" altLang="en-US" dirty="0"/>
-              <a:t> </a:t>
-            </a:r>
-            <a:r>
-              <a:rPr lang="en-US" altLang="en-US" dirty="0" err="1"/>
-              <a:t>zeigen</a:t>
-            </a:r>
-            <a:r>
-              <a:rPr lang="en-US" altLang="en-US" dirty="0"/>
-              <a:t>) ??</a:t>
-            </a:r>
-          </a:p>
-          <a:p>
             <a:endParaRPr lang="en-US" dirty="0"/>
           </a:p>
         </p:txBody>
@@ -5811,92 +5237,6 @@
           <a:bodyPr/>
           <a:lstStyle/>
           <a:p>
-            <a:r>
-              <a:rPr lang="de-DE" dirty="0"/>
-              <a:t>Warum 4 Tools? </a:t>
-            </a:r>
-          </a:p>
-          <a:p>
-            <a:endParaRPr lang="de-DE" dirty="0"/>
-          </a:p>
-          <a:p>
-            <a:pPr marL="171450" marR="0" lvl="0" indent="-171450" algn="l" defTabSz="914400" rtl="0" eaLnBrk="1" fontAlgn="auto" latinLnBrk="0" hangingPunct="1">
-              <a:lnSpc>
-                <a:spcPct val="100000"/>
-              </a:lnSpc>
-              <a:spcBef>
-                <a:spcPts val="0"/>
-              </a:spcBef>
-              <a:spcAft>
-                <a:spcPts val="0"/>
-              </a:spcAft>
-              <a:buClrTx/>
-              <a:buSzTx/>
-              <a:buFont typeface="Arial" panose="020B0604020202020204" pitchFamily="34" charset="0"/>
-              <a:buChar char="•"/>
-              <a:tabLst/>
-              <a:defRPr/>
-            </a:pPr>
-            <a:r>
-              <a:rPr lang="de-DE" i="0" dirty="0"/>
-              <a:t>Damit jedes Teammitglied sich einmal mit dem Datensatz beschäftigt um dann die Ergebnisse miteinander zu vergleichen</a:t>
-            </a:r>
-          </a:p>
-          <a:p>
-            <a:pPr marL="628650" lvl="1" indent="-171450">
-              <a:buFont typeface="Wingdings" panose="05000000000000000000" pitchFamily="2" charset="2"/>
-              <a:buChar char="è"/>
-            </a:pPr>
-            <a:endParaRPr lang="de-DE" i="0" dirty="0"/>
-          </a:p>
-          <a:p>
-            <a:r>
-              <a:rPr lang="de-DE" b="1" i="0" dirty="0"/>
-              <a:t>Übergabe an Laura und Nadja</a:t>
-            </a:r>
-          </a:p>
-          <a:p>
-            <a:endParaRPr lang="de-DE" b="1" i="0" dirty="0"/>
-          </a:p>
-          <a:p>
-            <a:r>
-              <a:rPr lang="de-DE" b="1" dirty="0"/>
-              <a:t>Tools</a:t>
-            </a:r>
-            <a:r>
-              <a:rPr lang="de-DE" dirty="0"/>
-              <a:t>: </a:t>
-            </a:r>
-          </a:p>
-          <a:p>
-            <a:r>
-              <a:rPr lang="de-DE" dirty="0" err="1"/>
-              <a:t>PowerBI</a:t>
-            </a:r>
-            <a:r>
-              <a:rPr lang="de-DE" dirty="0"/>
-              <a:t> -&gt; EDA Dashboard</a:t>
-            </a:r>
-          </a:p>
-          <a:p>
-            <a:r>
-              <a:rPr lang="de-DE" dirty="0"/>
-              <a:t>Python -&gt; EDA und Dash</a:t>
-            </a:r>
-          </a:p>
-          <a:p>
-            <a:r>
-              <a:rPr lang="de-DE" dirty="0"/>
-              <a:t>SQL -&gt; EDA und Datenbereinigung</a:t>
-            </a:r>
-          </a:p>
-          <a:p>
-            <a:r>
-              <a:rPr lang="de-DE" dirty="0"/>
-              <a:t>KNIME -&gt; EDA und Machine Learning</a:t>
-            </a:r>
-          </a:p>
-          <a:p>
             <a:endParaRPr lang="en-US" dirty="0"/>
           </a:p>
         </p:txBody>
@@ -6008,398 +5348,6 @@
               <a:latin typeface="Arial" panose="020B0604020202020204" pitchFamily="34" charset="0"/>
             </a:endParaRPr>
           </a:p>
-          <a:p>
-            <a:pPr marL="0" marR="0" lvl="0" indent="0" algn="l" defTabSz="914400" rtl="0" eaLnBrk="0" fontAlgn="base" latinLnBrk="0" hangingPunct="0">
-              <a:lnSpc>
-                <a:spcPct val="100000"/>
-              </a:lnSpc>
-              <a:spcBef>
-                <a:spcPct val="0"/>
-              </a:spcBef>
-              <a:spcAft>
-                <a:spcPct val="0"/>
-              </a:spcAft>
-              <a:buClrTx/>
-              <a:buSzTx/>
-              <a:buFontTx/>
-              <a:buChar char="•"/>
-              <a:tabLst/>
-            </a:pPr>
-            <a:r>
-              <a:rPr kumimoji="0" lang="en-US" altLang="en-US" sz="1200" b="0" i="0" u="none" strike="noStrike" cap="none" normalizeH="0" baseline="0" dirty="0">
-                <a:ln>
-                  <a:noFill/>
-                </a:ln>
-                <a:solidFill>
-                  <a:schemeClr val="tx1"/>
-                </a:solidFill>
-                <a:effectLst/>
-                <a:latin typeface="Arial" panose="020B0604020202020204" pitchFamily="34" charset="0"/>
-              </a:rPr>
-              <a:t>Was </a:t>
-            </a:r>
-            <a:r>
-              <a:rPr kumimoji="0" lang="en-US" altLang="en-US" sz="1200" b="0" i="0" u="none" strike="noStrike" cap="none" normalizeH="0" baseline="0" dirty="0" err="1">
-                <a:ln>
-                  <a:noFill/>
-                </a:ln>
-                <a:solidFill>
-                  <a:schemeClr val="tx1"/>
-                </a:solidFill>
-                <a:effectLst/>
-                <a:latin typeface="Arial" panose="020B0604020202020204" pitchFamily="34" charset="0"/>
-              </a:rPr>
-              <a:t>wurde</a:t>
-            </a:r>
-            <a:r>
-              <a:rPr kumimoji="0" lang="en-US" altLang="en-US" sz="1200" b="0" i="0" u="none" strike="noStrike" cap="none" normalizeH="0" baseline="0" dirty="0">
-                <a:ln>
-                  <a:noFill/>
-                </a:ln>
-                <a:solidFill>
-                  <a:schemeClr val="tx1"/>
-                </a:solidFill>
-                <a:effectLst/>
-                <a:latin typeface="Arial" panose="020B0604020202020204" pitchFamily="34" charset="0"/>
-              </a:rPr>
-              <a:t> </a:t>
-            </a:r>
-            <a:r>
-              <a:rPr kumimoji="0" lang="en-US" altLang="en-US" sz="1200" b="0" i="0" u="none" strike="noStrike" cap="none" normalizeH="0" baseline="0" dirty="0" err="1">
-                <a:ln>
-                  <a:noFill/>
-                </a:ln>
-                <a:solidFill>
-                  <a:schemeClr val="tx1"/>
-                </a:solidFill>
-                <a:effectLst/>
-                <a:latin typeface="Arial" panose="020B0604020202020204" pitchFamily="34" charset="0"/>
-              </a:rPr>
-              <a:t>umgesetzt</a:t>
-            </a:r>
-            <a:r>
-              <a:rPr kumimoji="0" lang="en-US" altLang="en-US" sz="1200" b="0" i="0" u="none" strike="noStrike" cap="none" normalizeH="0" baseline="0" dirty="0">
-                <a:ln>
-                  <a:noFill/>
-                </a:ln>
-                <a:solidFill>
-                  <a:schemeClr val="tx1"/>
-                </a:solidFill>
-                <a:effectLst/>
-                <a:latin typeface="Arial" panose="020B0604020202020204" pitchFamily="34" charset="0"/>
-              </a:rPr>
-              <a:t>: Power Query, </a:t>
-            </a:r>
-            <a:r>
-              <a:rPr kumimoji="0" lang="en-US" altLang="en-US" sz="1200" b="0" i="0" u="none" strike="noStrike" cap="none" normalizeH="0" baseline="0" dirty="0" err="1">
-                <a:ln>
-                  <a:noFill/>
-                </a:ln>
-                <a:solidFill>
-                  <a:schemeClr val="tx1"/>
-                </a:solidFill>
-                <a:effectLst/>
-                <a:latin typeface="Arial" panose="020B0604020202020204" pitchFamily="34" charset="0"/>
-              </a:rPr>
-              <a:t>Datenmodellierung</a:t>
-            </a:r>
-            <a:r>
-              <a:rPr kumimoji="0" lang="en-US" altLang="en-US" sz="1200" b="0" i="0" u="none" strike="noStrike" cap="none" normalizeH="0" baseline="0" dirty="0">
-                <a:ln>
-                  <a:noFill/>
-                </a:ln>
-                <a:solidFill>
-                  <a:schemeClr val="tx1"/>
-                </a:solidFill>
-                <a:effectLst/>
-                <a:latin typeface="Arial" panose="020B0604020202020204" pitchFamily="34" charset="0"/>
-              </a:rPr>
-              <a:t>, Measures </a:t>
-            </a:r>
-          </a:p>
-          <a:p>
-            <a:pPr marL="0" marR="0" lvl="0" indent="0" algn="l" defTabSz="914400" rtl="0" eaLnBrk="0" fontAlgn="base" latinLnBrk="0" hangingPunct="0">
-              <a:lnSpc>
-                <a:spcPct val="100000"/>
-              </a:lnSpc>
-              <a:spcBef>
-                <a:spcPct val="0"/>
-              </a:spcBef>
-              <a:spcAft>
-                <a:spcPct val="0"/>
-              </a:spcAft>
-              <a:buClrTx/>
-              <a:buSzTx/>
-              <a:buFontTx/>
-              <a:buChar char="•"/>
-              <a:tabLst/>
-            </a:pPr>
-            <a:r>
-              <a:rPr kumimoji="0" lang="en-US" altLang="en-US" sz="1200" b="0" i="0" u="none" strike="noStrike" cap="none" normalizeH="0" baseline="0" dirty="0" err="1">
-                <a:ln>
-                  <a:noFill/>
-                </a:ln>
-                <a:solidFill>
-                  <a:schemeClr val="tx1"/>
-                </a:solidFill>
-                <a:effectLst/>
-                <a:latin typeface="Arial" panose="020B0604020202020204" pitchFamily="34" charset="0"/>
-              </a:rPr>
-              <a:t>Sternschema</a:t>
-            </a:r>
-            <a:r>
-              <a:rPr kumimoji="0" lang="en-US" altLang="en-US" sz="1200" b="0" i="0" u="none" strike="noStrike" cap="none" normalizeH="0" baseline="0" dirty="0">
-                <a:ln>
-                  <a:noFill/>
-                </a:ln>
-                <a:solidFill>
-                  <a:schemeClr val="tx1"/>
-                </a:solidFill>
-                <a:effectLst/>
-                <a:latin typeface="Arial" panose="020B0604020202020204" pitchFamily="34" charset="0"/>
-              </a:rPr>
-              <a:t>, </a:t>
-            </a:r>
-            <a:r>
-              <a:rPr kumimoji="0" lang="en-US" altLang="en-US" sz="1200" b="0" i="0" u="none" strike="noStrike" cap="none" normalizeH="0" baseline="0" dirty="0" err="1">
-                <a:ln>
-                  <a:noFill/>
-                </a:ln>
-                <a:solidFill>
-                  <a:schemeClr val="tx1"/>
-                </a:solidFill>
-                <a:effectLst/>
-                <a:latin typeface="Arial" panose="020B0604020202020204" pitchFamily="34" charset="0"/>
-              </a:rPr>
-              <a:t>Dimensionstabellen</a:t>
-            </a:r>
-            <a:r>
-              <a:rPr kumimoji="0" lang="en-US" altLang="en-US" sz="1200" b="0" i="0" u="none" strike="noStrike" cap="none" normalizeH="0" baseline="0" dirty="0">
-                <a:ln>
-                  <a:noFill/>
-                </a:ln>
-                <a:solidFill>
-                  <a:schemeClr val="tx1"/>
-                </a:solidFill>
-                <a:effectLst/>
-                <a:latin typeface="Arial" panose="020B0604020202020204" pitchFamily="34" charset="0"/>
-              </a:rPr>
-              <a:t>, Seiten-Navigation </a:t>
-            </a:r>
-          </a:p>
-          <a:p>
-            <a:pPr marL="0" marR="0" lvl="0" indent="0" algn="l" defTabSz="914400" rtl="0" eaLnBrk="0" fontAlgn="base" latinLnBrk="0" hangingPunct="0">
-              <a:lnSpc>
-                <a:spcPct val="100000"/>
-              </a:lnSpc>
-              <a:spcBef>
-                <a:spcPct val="0"/>
-              </a:spcBef>
-              <a:spcAft>
-                <a:spcPct val="0"/>
-              </a:spcAft>
-              <a:buClrTx/>
-              <a:buSzTx/>
-              <a:buFontTx/>
-              <a:buChar char="•"/>
-              <a:tabLst/>
-            </a:pPr>
-            <a:r>
-              <a:rPr kumimoji="0" lang="en-US" altLang="en-US" sz="1200" b="1" i="0" u="none" strike="noStrike" cap="none" normalizeH="0" baseline="0" dirty="0" err="1">
-                <a:ln>
-                  <a:noFill/>
-                </a:ln>
-                <a:solidFill>
-                  <a:schemeClr val="tx1"/>
-                </a:solidFill>
-                <a:effectLst/>
-                <a:latin typeface="Arial" panose="020B0604020202020204" pitchFamily="34" charset="0"/>
-              </a:rPr>
-              <a:t>Erkenntnis</a:t>
-            </a:r>
-            <a:r>
-              <a:rPr kumimoji="0" lang="en-US" altLang="en-US" sz="1200" b="1" i="0" u="none" strike="noStrike" cap="none" normalizeH="0" baseline="0" dirty="0">
-                <a:ln>
-                  <a:noFill/>
-                </a:ln>
-                <a:solidFill>
-                  <a:schemeClr val="tx1"/>
-                </a:solidFill>
-                <a:effectLst/>
-                <a:latin typeface="Arial" panose="020B0604020202020204" pitchFamily="34" charset="0"/>
-              </a:rPr>
-              <a:t>:</a:t>
-            </a:r>
-            <a:r>
-              <a:rPr kumimoji="0" lang="en-US" altLang="en-US" sz="1200" b="0" i="0" u="none" strike="noStrike" cap="none" normalizeH="0" baseline="0" dirty="0">
-                <a:ln>
-                  <a:noFill/>
-                </a:ln>
-                <a:solidFill>
-                  <a:schemeClr val="tx1"/>
-                </a:solidFill>
-                <a:effectLst/>
-                <a:latin typeface="Arial" panose="020B0604020202020204" pitchFamily="34" charset="0"/>
-              </a:rPr>
-              <a:t> Dashboard </a:t>
-            </a:r>
-            <a:r>
-              <a:rPr kumimoji="0" lang="en-US" altLang="en-US" sz="1200" b="0" i="0" u="none" strike="noStrike" cap="none" normalizeH="0" baseline="0" dirty="0" err="1">
-                <a:ln>
-                  <a:noFill/>
-                </a:ln>
-                <a:solidFill>
-                  <a:schemeClr val="tx1"/>
-                </a:solidFill>
-                <a:effectLst/>
-                <a:latin typeface="Arial" panose="020B0604020202020204" pitchFamily="34" charset="0"/>
-              </a:rPr>
-              <a:t>optisch</a:t>
-            </a:r>
-            <a:r>
-              <a:rPr kumimoji="0" lang="en-US" altLang="en-US" sz="1200" b="0" i="0" u="none" strike="noStrike" cap="none" normalizeH="0" baseline="0" dirty="0">
-                <a:ln>
-                  <a:noFill/>
-                </a:ln>
-                <a:solidFill>
-                  <a:schemeClr val="tx1"/>
-                </a:solidFill>
-                <a:effectLst/>
-                <a:latin typeface="Arial" panose="020B0604020202020204" pitchFamily="34" charset="0"/>
-              </a:rPr>
-              <a:t> </a:t>
-            </a:r>
-            <a:r>
-              <a:rPr kumimoji="0" lang="en-US" altLang="en-US" sz="1200" b="0" i="0" u="none" strike="noStrike" cap="none" normalizeH="0" baseline="0" dirty="0" err="1">
-                <a:ln>
-                  <a:noFill/>
-                </a:ln>
-                <a:solidFill>
-                  <a:schemeClr val="tx1"/>
-                </a:solidFill>
-                <a:effectLst/>
-                <a:latin typeface="Arial" panose="020B0604020202020204" pitchFamily="34" charset="0"/>
-              </a:rPr>
-              <a:t>fertig</a:t>
-            </a:r>
-            <a:r>
-              <a:rPr kumimoji="0" lang="en-US" altLang="en-US" sz="1200" b="0" i="0" u="none" strike="noStrike" cap="none" normalizeH="0" baseline="0" dirty="0">
-                <a:ln>
-                  <a:noFill/>
-                </a:ln>
-                <a:solidFill>
-                  <a:schemeClr val="tx1"/>
-                </a:solidFill>
-                <a:effectLst/>
-                <a:latin typeface="Arial" panose="020B0604020202020204" pitchFamily="34" charset="0"/>
-              </a:rPr>
-              <a:t>, </a:t>
-            </a:r>
-            <a:r>
-              <a:rPr kumimoji="0" lang="en-US" altLang="en-US" sz="1200" b="0" i="0" u="none" strike="noStrike" cap="none" normalizeH="0" baseline="0" dirty="0" err="1">
-                <a:ln>
-                  <a:noFill/>
-                </a:ln>
-                <a:solidFill>
-                  <a:schemeClr val="tx1"/>
-                </a:solidFill>
-                <a:effectLst/>
-                <a:latin typeface="Arial" panose="020B0604020202020204" pitchFamily="34" charset="0"/>
-              </a:rPr>
-              <a:t>aber</a:t>
-            </a:r>
-            <a:r>
-              <a:rPr kumimoji="0" lang="en-US" altLang="en-US" sz="1200" b="0" i="0" u="none" strike="noStrike" cap="none" normalizeH="0" baseline="0" dirty="0">
-                <a:ln>
-                  <a:noFill/>
-                </a:ln>
-                <a:solidFill>
-                  <a:schemeClr val="tx1"/>
-                </a:solidFill>
-                <a:effectLst/>
-                <a:latin typeface="Arial" panose="020B0604020202020204" pitchFamily="34" charset="0"/>
-              </a:rPr>
-              <a:t> </a:t>
-            </a:r>
-            <a:r>
-              <a:rPr kumimoji="0" lang="en-US" altLang="en-US" sz="1200" b="0" i="0" u="none" strike="noStrike" cap="none" normalizeH="0" baseline="0" dirty="0" err="1">
-                <a:ln>
-                  <a:noFill/>
-                </a:ln>
-                <a:solidFill>
-                  <a:schemeClr val="tx1"/>
-                </a:solidFill>
-                <a:effectLst/>
-                <a:latin typeface="Arial" panose="020B0604020202020204" pitchFamily="34" charset="0"/>
-              </a:rPr>
-              <a:t>inhaltlich</a:t>
-            </a:r>
-            <a:r>
-              <a:rPr kumimoji="0" lang="en-US" altLang="en-US" sz="1200" b="0" i="0" u="none" strike="noStrike" cap="none" normalizeH="0" baseline="0" dirty="0">
-                <a:ln>
-                  <a:noFill/>
-                </a:ln>
-                <a:solidFill>
-                  <a:schemeClr val="tx1"/>
-                </a:solidFill>
-                <a:effectLst/>
-                <a:latin typeface="Arial" panose="020B0604020202020204" pitchFamily="34" charset="0"/>
-              </a:rPr>
-              <a:t> </a:t>
-            </a:r>
-            <a:r>
-              <a:rPr kumimoji="0" lang="en-US" altLang="en-US" sz="1200" b="0" i="0" u="none" strike="noStrike" cap="none" normalizeH="0" baseline="0" dirty="0" err="1">
-                <a:ln>
-                  <a:noFill/>
-                </a:ln>
-                <a:solidFill>
-                  <a:schemeClr val="tx1"/>
-                </a:solidFill>
-                <a:effectLst/>
-                <a:latin typeface="Arial" panose="020B0604020202020204" pitchFamily="34" charset="0"/>
-              </a:rPr>
-              <a:t>begrenzt</a:t>
-            </a:r>
-            <a:r>
-              <a:rPr kumimoji="0" lang="en-US" altLang="en-US" sz="1200" b="0" i="0" u="none" strike="noStrike" cap="none" normalizeH="0" baseline="0" dirty="0">
-                <a:ln>
-                  <a:noFill/>
-                </a:ln>
-                <a:solidFill>
-                  <a:schemeClr val="tx1"/>
-                </a:solidFill>
-                <a:effectLst/>
-                <a:latin typeface="Arial" panose="020B0604020202020204" pitchFamily="34" charset="0"/>
-              </a:rPr>
-              <a:t> </a:t>
-            </a:r>
-            <a:r>
-              <a:rPr kumimoji="0" lang="en-US" altLang="en-US" sz="1200" b="0" i="0" u="none" strike="noStrike" cap="none" normalizeH="0" baseline="0" dirty="0" err="1">
-                <a:ln>
-                  <a:noFill/>
-                </a:ln>
-                <a:solidFill>
-                  <a:schemeClr val="tx1"/>
-                </a:solidFill>
-                <a:effectLst/>
-                <a:latin typeface="Arial" panose="020B0604020202020204" pitchFamily="34" charset="0"/>
-              </a:rPr>
-              <a:t>durch</a:t>
-            </a:r>
-            <a:r>
-              <a:rPr kumimoji="0" lang="en-US" altLang="en-US" sz="1200" b="0" i="0" u="none" strike="noStrike" cap="none" normalizeH="0" baseline="0" dirty="0">
-                <a:ln>
-                  <a:noFill/>
-                </a:ln>
-                <a:solidFill>
-                  <a:schemeClr val="tx1"/>
-                </a:solidFill>
-                <a:effectLst/>
-                <a:latin typeface="Arial" panose="020B0604020202020204" pitchFamily="34" charset="0"/>
-              </a:rPr>
-              <a:t> Datenqualität </a:t>
-            </a:r>
-          </a:p>
         </p:txBody>
       </p:sp>
       <p:sp>
@@ -6566,10 +5514,7 @@
           <a:bodyPr/>
           <a:lstStyle/>
           <a:p>
-            <a:r>
-              <a:rPr lang="de-DE" dirty="0"/>
-              <a:t>Ich brauche von Sven eine Stallvorlage für die Key-Metrik Werte</a:t>
-            </a:r>
+            <a:endParaRPr lang="de-DE" dirty="0"/>
           </a:p>
         </p:txBody>
       </p:sp>
@@ -6652,68 +5597,6 @@
         <p:txBody>
           <a:bodyPr/>
           <a:lstStyle/>
-          <a:p>
-            <a:pPr marL="0" marR="0" lvl="0" indent="0" algn="l" defTabSz="914400" rtl="0" eaLnBrk="1" fontAlgn="auto" latinLnBrk="0" hangingPunct="1">
-              <a:lnSpc>
-                <a:spcPct val="100000"/>
-              </a:lnSpc>
-              <a:spcBef>
-                <a:spcPts val="0"/>
-              </a:spcBef>
-              <a:spcAft>
-                <a:spcPts val="0"/>
-              </a:spcAft>
-              <a:buClrTx/>
-              <a:buSzTx/>
-              <a:buFontTx/>
-              <a:buNone/>
-              <a:tabLst/>
-              <a:defRPr/>
-            </a:pPr>
-            <a:r>
-              <a:rPr lang="en-US" altLang="en-US" dirty="0"/>
-              <a:t>(Dublin-</a:t>
-            </a:r>
-            <a:r>
-              <a:rPr lang="en-US" altLang="en-US" dirty="0" err="1"/>
-              <a:t>Beispiel</a:t>
-            </a:r>
-            <a:r>
-              <a:rPr lang="en-US" altLang="en-US" dirty="0"/>
-              <a:t>) </a:t>
-            </a:r>
-          </a:p>
-          <a:p>
-            <a:pPr marL="0" marR="0" lvl="0" indent="0" algn="l" defTabSz="914400" rtl="0" eaLnBrk="1" fontAlgn="auto" latinLnBrk="0" hangingPunct="1">
-              <a:lnSpc>
-                <a:spcPct val="100000"/>
-              </a:lnSpc>
-              <a:spcBef>
-                <a:spcPts val="0"/>
-              </a:spcBef>
-              <a:spcAft>
-                <a:spcPts val="0"/>
-              </a:spcAft>
-              <a:buClrTx/>
-              <a:buSzTx/>
-              <a:buFontTx/>
-              <a:buNone/>
-              <a:tabLst/>
-              <a:defRPr/>
-            </a:pPr>
-            <a:r>
-              <a:rPr lang="en-US" altLang="en-US" dirty="0"/>
-              <a:t>(Web-Crawler </a:t>
-            </a:r>
-            <a:r>
-              <a:rPr lang="en-US" altLang="en-US" dirty="0" err="1"/>
-              <a:t>mitgezählt</a:t>
-            </a:r>
-            <a:r>
-              <a:rPr lang="en-US" altLang="en-US" dirty="0"/>
-              <a:t>!) </a:t>
-            </a:r>
-          </a:p>
           <a:p>
             <a:endParaRPr lang="en-US" dirty="0"/>
           </a:p>
@@ -19434,31 +18317,6 @@
       </p:grpSpPr>
       <p:sp>
         <p:nvSpPr>
-          <p:cNvPr id="7" name="Title 6">
-            <a:extLst>
-              <a:ext uri="{FF2B5EF4-FFF2-40B4-BE49-F238E27FC236}">
-                <a16:creationId xmlns:a16="http://schemas.microsoft.com/office/drawing/2014/main" id="{BDF05F79-8F6D-C0F7-D3DD-A420E0998BBA}"/>
-              </a:ext>
-            </a:extLst>
-          </p:cNvPr>
-          <p:cNvSpPr>
-            <a:spLocks noGrp="1"/>
-          </p:cNvSpPr>
-          <p:nvPr>
-            <p:ph type="title"/>
-          </p:nvPr>
-        </p:nvSpPr>
-        <p:spPr/>
-        <p:txBody>
-          <a:bodyPr/>
-          <a:lstStyle/>
-          <a:p>
-            <a:endParaRPr lang="en-US" dirty="0"/>
-          </a:p>
-        </p:txBody>
-      </p:sp>
-      <p:sp>
-        <p:nvSpPr>
           <p:cNvPr id="8" name="Title 1">
             <a:extLst>
               <a:ext uri="{FF2B5EF4-FFF2-40B4-BE49-F238E27FC236}">
